--- a/text-team/Prototypes/graph_dashboard_modified_1.pptx
+++ b/text-team/Prototypes/graph_dashboard_modified_1.pptx
@@ -5752,6 +5752,1439 @@
           <a:chExt cx="0" cy="0"/>
         </a:xfrm>
       </p:grpSpPr>
+      <p:grpSp>
+        <p:nvGrpSpPr>
+          <p:cNvPr id="2" name="Group 1"/>
+          <p:cNvGrpSpPr/>
+          <p:nvPr/>
+        </p:nvGrpSpPr>
+        <p:grpSpPr>
+          <a:xfrm>
+            <a:off x="9847100" y="5263503"/>
+            <a:ext cx="1477391" cy="755385"/>
+            <a:chOff x="5897900" y="508145"/>
+            <a:chExt cx="1477391" cy="755385"/>
+          </a:xfrm>
+        </p:grpSpPr>
+        <p:sp>
+          <p:nvSpPr>
+            <p:cNvPr id="3" name="Oval 2"/>
+            <p:cNvSpPr/>
+            <p:nvPr/>
+          </p:nvSpPr>
+          <p:spPr>
+            <a:xfrm>
+              <a:off x="6371923" y="508145"/>
+              <a:ext cx="386052" cy="386052"/>
+            </a:xfrm>
+            <a:prstGeom prst="ellipse">
+              <a:avLst/>
+            </a:prstGeom>
+            <a:solidFill>
+              <a:schemeClr val="accent2"/>
+            </a:solidFill>
+          </p:spPr>
+          <p:style>
+            <a:lnRef idx="3">
+              <a:schemeClr val="lt1"/>
+            </a:lnRef>
+            <a:fillRef idx="1">
+              <a:schemeClr val="accent2"/>
+            </a:fillRef>
+            <a:effectRef idx="1">
+              <a:schemeClr val="accent2"/>
+            </a:effectRef>
+            <a:fontRef idx="minor">
+              <a:schemeClr val="lt1"/>
+            </a:fontRef>
+          </p:style>
+          <p:txBody>
+            <a:bodyPr rtlCol="0" anchor="ctr"/>
+            <a:lstStyle/>
+            <a:p>
+              <a:pPr algn="ctr"/>
+              <a:endParaRPr lang="en-US" dirty="0"/>
+            </a:p>
+          </p:txBody>
+        </p:sp>
+        <p:sp>
+          <p:nvSpPr>
+            <p:cNvPr id="4" name="TextBox 3"/>
+            <p:cNvSpPr txBox="1"/>
+            <p:nvPr/>
+          </p:nvSpPr>
+          <p:spPr>
+            <a:xfrm>
+              <a:off x="5897900" y="894198"/>
+              <a:ext cx="1477391" cy="369332"/>
+            </a:xfrm>
+            <a:prstGeom prst="rect">
+              <a:avLst/>
+            </a:prstGeom>
+            <a:noFill/>
+          </p:spPr>
+          <p:txBody>
+            <a:bodyPr wrap="square" rtlCol="0">
+              <a:spAutoFit/>
+            </a:bodyPr>
+            <a:lstStyle/>
+            <a:p>
+              <a:r>
+                <a:rPr lang="en-US" dirty="0" smtClean="0"/>
+                <a:t>Abdul </a:t>
+              </a:r>
+              <a:r>
+                <a:rPr lang="en-US" dirty="0" err="1" smtClean="0"/>
+                <a:t>Ramazi</a:t>
+              </a:r>
+              <a:endParaRPr lang="en-US" dirty="0"/>
+            </a:p>
+          </p:txBody>
+        </p:sp>
+      </p:grpSp>
+      <p:grpSp>
+        <p:nvGrpSpPr>
+          <p:cNvPr id="5" name="Group 4"/>
+          <p:cNvGrpSpPr/>
+          <p:nvPr/>
+        </p:nvGrpSpPr>
+        <p:grpSpPr>
+          <a:xfrm>
+            <a:off x="4585584" y="425194"/>
+            <a:ext cx="1477391" cy="755385"/>
+            <a:chOff x="7664249" y="508145"/>
+            <a:chExt cx="1477391" cy="755385"/>
+          </a:xfrm>
+        </p:grpSpPr>
+        <p:sp>
+          <p:nvSpPr>
+            <p:cNvPr id="6" name="Oval 5"/>
+            <p:cNvSpPr/>
+            <p:nvPr/>
+          </p:nvSpPr>
+          <p:spPr>
+            <a:xfrm>
+              <a:off x="8219787" y="508145"/>
+              <a:ext cx="386052" cy="386052"/>
+            </a:xfrm>
+            <a:prstGeom prst="ellipse">
+              <a:avLst/>
+            </a:prstGeom>
+            <a:solidFill>
+              <a:schemeClr val="accent2"/>
+            </a:solidFill>
+          </p:spPr>
+          <p:style>
+            <a:lnRef idx="3">
+              <a:schemeClr val="lt1"/>
+            </a:lnRef>
+            <a:fillRef idx="1">
+              <a:schemeClr val="accent2"/>
+            </a:fillRef>
+            <a:effectRef idx="1">
+              <a:schemeClr val="accent2"/>
+            </a:effectRef>
+            <a:fontRef idx="minor">
+              <a:schemeClr val="lt1"/>
+            </a:fontRef>
+          </p:style>
+          <p:txBody>
+            <a:bodyPr rtlCol="0" anchor="ctr"/>
+            <a:lstStyle/>
+            <a:p>
+              <a:pPr algn="ctr"/>
+              <a:endParaRPr lang="en-US" dirty="0"/>
+            </a:p>
+          </p:txBody>
+        </p:sp>
+        <p:sp>
+          <p:nvSpPr>
+            <p:cNvPr id="7" name="TextBox 6"/>
+            <p:cNvSpPr txBox="1"/>
+            <p:nvPr/>
+          </p:nvSpPr>
+          <p:spPr>
+            <a:xfrm>
+              <a:off x="7664249" y="894198"/>
+              <a:ext cx="1477391" cy="369332"/>
+            </a:xfrm>
+            <a:prstGeom prst="rect">
+              <a:avLst/>
+            </a:prstGeom>
+            <a:noFill/>
+          </p:spPr>
+          <p:txBody>
+            <a:bodyPr wrap="square" rtlCol="0">
+              <a:spAutoFit/>
+            </a:bodyPr>
+            <a:lstStyle/>
+            <a:p>
+              <a:r>
+                <a:rPr lang="en-US" dirty="0" smtClean="0"/>
+                <a:t>Hani al </a:t>
+              </a:r>
+              <a:r>
+                <a:rPr lang="en-US" dirty="0" err="1" smtClean="0"/>
+                <a:t>Hallak</a:t>
+              </a:r>
+              <a:endParaRPr lang="en-US" dirty="0"/>
+            </a:p>
+          </p:txBody>
+        </p:sp>
+      </p:grpSp>
+      <p:grpSp>
+        <p:nvGrpSpPr>
+          <p:cNvPr id="8" name="Group 7"/>
+          <p:cNvGrpSpPr/>
+          <p:nvPr/>
+        </p:nvGrpSpPr>
+        <p:grpSpPr>
+          <a:xfrm>
+            <a:off x="9202550" y="1018265"/>
+            <a:ext cx="1745751" cy="747025"/>
+            <a:chOff x="7046430" y="1348594"/>
+            <a:chExt cx="1745751" cy="747025"/>
+          </a:xfrm>
+        </p:grpSpPr>
+        <p:sp>
+          <p:nvSpPr>
+            <p:cNvPr id="9" name="Oval 8"/>
+            <p:cNvSpPr/>
+            <p:nvPr/>
+          </p:nvSpPr>
+          <p:spPr>
+            <a:xfrm>
+              <a:off x="7592100" y="1348594"/>
+              <a:ext cx="386052" cy="386052"/>
+            </a:xfrm>
+            <a:prstGeom prst="ellipse">
+              <a:avLst/>
+            </a:prstGeom>
+            <a:solidFill>
+              <a:schemeClr val="accent5"/>
+            </a:solidFill>
+          </p:spPr>
+          <p:style>
+            <a:lnRef idx="3">
+              <a:schemeClr val="lt1"/>
+            </a:lnRef>
+            <a:fillRef idx="1">
+              <a:schemeClr val="accent5"/>
+            </a:fillRef>
+            <a:effectRef idx="1">
+              <a:schemeClr val="accent5"/>
+            </a:effectRef>
+            <a:fontRef idx="minor">
+              <a:schemeClr val="lt1"/>
+            </a:fontRef>
+          </p:style>
+          <p:txBody>
+            <a:bodyPr rtlCol="0" anchor="ctr"/>
+            <a:lstStyle/>
+            <a:p>
+              <a:pPr algn="ctr"/>
+              <a:endParaRPr lang="en-US" dirty="0"/>
+            </a:p>
+          </p:txBody>
+        </p:sp>
+        <p:sp>
+          <p:nvSpPr>
+            <p:cNvPr id="10" name="TextBox 9"/>
+            <p:cNvSpPr txBox="1"/>
+            <p:nvPr/>
+          </p:nvSpPr>
+          <p:spPr>
+            <a:xfrm>
+              <a:off x="7046430" y="1726287"/>
+              <a:ext cx="1745751" cy="369332"/>
+            </a:xfrm>
+            <a:prstGeom prst="rect">
+              <a:avLst/>
+            </a:prstGeom>
+            <a:noFill/>
+          </p:spPr>
+          <p:txBody>
+            <a:bodyPr wrap="square" rtlCol="0">
+              <a:spAutoFit/>
+            </a:bodyPr>
+            <a:lstStyle/>
+            <a:p>
+              <a:r>
+                <a:rPr lang="en-US" dirty="0" smtClean="0"/>
+                <a:t>North Bergen NJ</a:t>
+              </a:r>
+              <a:endParaRPr lang="en-US" dirty="0"/>
+            </a:p>
+          </p:txBody>
+        </p:sp>
+      </p:grpSp>
+      <p:grpSp>
+        <p:nvGrpSpPr>
+          <p:cNvPr id="11" name="Group 10"/>
+          <p:cNvGrpSpPr/>
+          <p:nvPr/>
+        </p:nvGrpSpPr>
+        <p:grpSpPr>
+          <a:xfrm>
+            <a:off x="1393169" y="4420789"/>
+            <a:ext cx="1745751" cy="680923"/>
+            <a:chOff x="6095852" y="2124227"/>
+            <a:chExt cx="1745751" cy="680923"/>
+          </a:xfrm>
+        </p:grpSpPr>
+        <p:sp>
+          <p:nvSpPr>
+            <p:cNvPr id="12" name="Oval 11"/>
+            <p:cNvSpPr/>
+            <p:nvPr/>
+          </p:nvSpPr>
+          <p:spPr>
+            <a:xfrm>
+              <a:off x="6713707" y="2124227"/>
+              <a:ext cx="386052" cy="386052"/>
+            </a:xfrm>
+            <a:prstGeom prst="ellipse">
+              <a:avLst/>
+            </a:prstGeom>
+            <a:solidFill>
+              <a:srgbClr val="7030A0"/>
+            </a:solidFill>
+          </p:spPr>
+          <p:style>
+            <a:lnRef idx="3">
+              <a:schemeClr val="lt1"/>
+            </a:lnRef>
+            <a:fillRef idx="1">
+              <a:schemeClr val="accent1"/>
+            </a:fillRef>
+            <a:effectRef idx="1">
+              <a:schemeClr val="accent1"/>
+            </a:effectRef>
+            <a:fontRef idx="minor">
+              <a:schemeClr val="lt1"/>
+            </a:fontRef>
+          </p:style>
+          <p:txBody>
+            <a:bodyPr rtlCol="0" anchor="ctr"/>
+            <a:lstStyle/>
+            <a:p>
+              <a:pPr algn="ctr"/>
+              <a:endParaRPr lang="en-US" dirty="0"/>
+            </a:p>
+          </p:txBody>
+        </p:sp>
+        <p:sp>
+          <p:nvSpPr>
+            <p:cNvPr id="13" name="TextBox 12"/>
+            <p:cNvSpPr txBox="1"/>
+            <p:nvPr/>
+          </p:nvSpPr>
+          <p:spPr>
+            <a:xfrm>
+              <a:off x="6095852" y="2435818"/>
+              <a:ext cx="1745751" cy="369332"/>
+            </a:xfrm>
+            <a:prstGeom prst="rect">
+              <a:avLst/>
+            </a:prstGeom>
+            <a:noFill/>
+          </p:spPr>
+          <p:txBody>
+            <a:bodyPr wrap="square" rtlCol="0">
+              <a:spAutoFit/>
+            </a:bodyPr>
+            <a:lstStyle/>
+            <a:p>
+              <a:r>
+                <a:rPr lang="en-US" dirty="0" smtClean="0"/>
+                <a:t>First Union Bank</a:t>
+              </a:r>
+              <a:endParaRPr lang="en-US" dirty="0"/>
+            </a:p>
+          </p:txBody>
+        </p:sp>
+      </p:grpSp>
+      <p:grpSp>
+        <p:nvGrpSpPr>
+          <p:cNvPr id="14" name="Group 13"/>
+          <p:cNvGrpSpPr/>
+          <p:nvPr/>
+        </p:nvGrpSpPr>
+        <p:grpSpPr>
+          <a:xfrm>
+            <a:off x="5601540" y="3031835"/>
+            <a:ext cx="1745751" cy="738665"/>
+            <a:chOff x="7841603" y="2234432"/>
+            <a:chExt cx="1745751" cy="738665"/>
+          </a:xfrm>
+        </p:grpSpPr>
+        <p:sp>
+          <p:nvSpPr>
+            <p:cNvPr id="15" name="Oval 14"/>
+            <p:cNvSpPr/>
+            <p:nvPr/>
+          </p:nvSpPr>
+          <p:spPr>
+            <a:xfrm>
+              <a:off x="8476574" y="2234432"/>
+              <a:ext cx="386052" cy="386052"/>
+            </a:xfrm>
+            <a:prstGeom prst="ellipse">
+              <a:avLst/>
+            </a:prstGeom>
+            <a:solidFill>
+              <a:srgbClr val="00B0F0"/>
+            </a:solidFill>
+          </p:spPr>
+          <p:style>
+            <a:lnRef idx="3">
+              <a:schemeClr val="lt1"/>
+            </a:lnRef>
+            <a:fillRef idx="1">
+              <a:schemeClr val="accent1"/>
+            </a:fillRef>
+            <a:effectRef idx="1">
+              <a:schemeClr val="accent1"/>
+            </a:effectRef>
+            <a:fontRef idx="minor">
+              <a:schemeClr val="lt1"/>
+            </a:fontRef>
+          </p:style>
+          <p:txBody>
+            <a:bodyPr rtlCol="0" anchor="ctr"/>
+            <a:lstStyle/>
+            <a:p>
+              <a:pPr algn="ctr"/>
+              <a:endParaRPr lang="en-US" dirty="0"/>
+            </a:p>
+          </p:txBody>
+        </p:sp>
+        <p:sp>
+          <p:nvSpPr>
+            <p:cNvPr id="16" name="TextBox 15"/>
+            <p:cNvSpPr txBox="1"/>
+            <p:nvPr/>
+          </p:nvSpPr>
+          <p:spPr>
+            <a:xfrm>
+              <a:off x="7841603" y="2603765"/>
+              <a:ext cx="1745751" cy="369332"/>
+            </a:xfrm>
+            <a:prstGeom prst="rect">
+              <a:avLst/>
+            </a:prstGeom>
+            <a:noFill/>
+          </p:spPr>
+          <p:txBody>
+            <a:bodyPr wrap="square" rtlCol="0">
+              <a:spAutoFit/>
+            </a:bodyPr>
+            <a:lstStyle/>
+            <a:p>
+              <a:r>
+                <a:rPr lang="en-US" dirty="0"/>
+                <a:t>1070173749003</a:t>
+              </a:r>
+            </a:p>
+          </p:txBody>
+        </p:sp>
+      </p:grpSp>
+      <p:grpSp>
+        <p:nvGrpSpPr>
+          <p:cNvPr id="17" name="Group 16"/>
+          <p:cNvGrpSpPr/>
+          <p:nvPr/>
+        </p:nvGrpSpPr>
+        <p:grpSpPr>
+          <a:xfrm>
+            <a:off x="6768067" y="5286378"/>
+            <a:ext cx="1511518" cy="735357"/>
+            <a:chOff x="6564949" y="2923715"/>
+            <a:chExt cx="1511518" cy="735357"/>
+          </a:xfrm>
+        </p:grpSpPr>
+        <p:sp>
+          <p:nvSpPr>
+            <p:cNvPr id="18" name="Oval 17"/>
+            <p:cNvSpPr/>
+            <p:nvPr/>
+          </p:nvSpPr>
+          <p:spPr>
+            <a:xfrm>
+              <a:off x="7087637" y="2923715"/>
+              <a:ext cx="386052" cy="386052"/>
+            </a:xfrm>
+            <a:prstGeom prst="ellipse">
+              <a:avLst/>
+            </a:prstGeom>
+            <a:solidFill>
+              <a:schemeClr val="accent5"/>
+            </a:solidFill>
+          </p:spPr>
+          <p:style>
+            <a:lnRef idx="3">
+              <a:schemeClr val="lt1"/>
+            </a:lnRef>
+            <a:fillRef idx="1">
+              <a:schemeClr val="accent1"/>
+            </a:fillRef>
+            <a:effectRef idx="1">
+              <a:schemeClr val="accent1"/>
+            </a:effectRef>
+            <a:fontRef idx="minor">
+              <a:schemeClr val="lt1"/>
+            </a:fontRef>
+          </p:style>
+          <p:txBody>
+            <a:bodyPr rtlCol="0" anchor="ctr"/>
+            <a:lstStyle/>
+            <a:p>
+              <a:pPr algn="ctr"/>
+              <a:endParaRPr lang="en-US" dirty="0"/>
+            </a:p>
+          </p:txBody>
+        </p:sp>
+        <p:sp>
+          <p:nvSpPr>
+            <p:cNvPr id="19" name="TextBox 18"/>
+            <p:cNvSpPr txBox="1"/>
+            <p:nvPr/>
+          </p:nvSpPr>
+          <p:spPr>
+            <a:xfrm>
+              <a:off x="6564949" y="3289740"/>
+              <a:ext cx="1511518" cy="369332"/>
+            </a:xfrm>
+            <a:prstGeom prst="rect">
+              <a:avLst/>
+            </a:prstGeom>
+            <a:noFill/>
+          </p:spPr>
+          <p:txBody>
+            <a:bodyPr wrap="square" rtlCol="0">
+              <a:spAutoFit/>
+            </a:bodyPr>
+            <a:lstStyle/>
+            <a:p>
+              <a:r>
+                <a:rPr lang="en-US" dirty="0"/>
+                <a:t>Springfield </a:t>
+              </a:r>
+              <a:r>
+                <a:rPr lang="en-US" dirty="0" smtClean="0"/>
+                <a:t>VA</a:t>
+              </a:r>
+              <a:endParaRPr lang="en-US" dirty="0"/>
+            </a:p>
+          </p:txBody>
+        </p:sp>
+      </p:grpSp>
+      <p:grpSp>
+        <p:nvGrpSpPr>
+          <p:cNvPr id="20" name="Group 19"/>
+          <p:cNvGrpSpPr/>
+          <p:nvPr/>
+        </p:nvGrpSpPr>
+        <p:grpSpPr>
+          <a:xfrm>
+            <a:off x="0" y="5985052"/>
+            <a:ext cx="1511518" cy="674101"/>
+            <a:chOff x="7099885" y="4145385"/>
+            <a:chExt cx="1511518" cy="674101"/>
+          </a:xfrm>
+        </p:grpSpPr>
+        <p:sp>
+          <p:nvSpPr>
+            <p:cNvPr id="21" name="Oval 20"/>
+            <p:cNvSpPr/>
+            <p:nvPr/>
+          </p:nvSpPr>
+          <p:spPr>
+            <a:xfrm>
+              <a:off x="7652195" y="4145385"/>
+              <a:ext cx="386052" cy="386052"/>
+            </a:xfrm>
+            <a:prstGeom prst="ellipse">
+              <a:avLst/>
+            </a:prstGeom>
+            <a:solidFill>
+              <a:srgbClr val="00B050"/>
+            </a:solidFill>
+            <a:effectLst>
+              <a:glow rad="139700">
+                <a:schemeClr val="accent5">
+                  <a:satMod val="175000"/>
+                  <a:alpha val="40000"/>
+                </a:schemeClr>
+              </a:glow>
+            </a:effectLst>
+          </p:spPr>
+          <p:style>
+            <a:lnRef idx="3">
+              <a:schemeClr val="lt1"/>
+            </a:lnRef>
+            <a:fillRef idx="1">
+              <a:schemeClr val="accent1"/>
+            </a:fillRef>
+            <a:effectRef idx="1">
+              <a:schemeClr val="accent1"/>
+            </a:effectRef>
+            <a:fontRef idx="minor">
+              <a:schemeClr val="lt1"/>
+            </a:fontRef>
+          </p:style>
+          <p:txBody>
+            <a:bodyPr rtlCol="0" anchor="ctr"/>
+            <a:lstStyle/>
+            <a:p>
+              <a:pPr algn="ctr"/>
+              <a:endParaRPr lang="en-US" dirty="0"/>
+            </a:p>
+          </p:txBody>
+        </p:sp>
+        <p:sp>
+          <p:nvSpPr>
+            <p:cNvPr id="22" name="TextBox 21"/>
+            <p:cNvSpPr txBox="1"/>
+            <p:nvPr/>
+          </p:nvSpPr>
+          <p:spPr>
+            <a:xfrm>
+              <a:off x="7099885" y="4450154"/>
+              <a:ext cx="1511518" cy="369332"/>
+            </a:xfrm>
+            <a:prstGeom prst="rect">
+              <a:avLst/>
+            </a:prstGeom>
+            <a:noFill/>
+          </p:spPr>
+          <p:txBody>
+            <a:bodyPr wrap="square" rtlCol="0">
+              <a:spAutoFit/>
+            </a:bodyPr>
+            <a:lstStyle/>
+            <a:p>
+              <a:r>
+                <a:rPr lang="en-US" dirty="0" smtClean="0"/>
+                <a:t>22 April 2003</a:t>
+              </a:r>
+              <a:endParaRPr lang="en-US" dirty="0"/>
+            </a:p>
+          </p:txBody>
+        </p:sp>
+      </p:grpSp>
+      <p:grpSp>
+        <p:nvGrpSpPr>
+          <p:cNvPr id="23" name="Group 22"/>
+          <p:cNvGrpSpPr/>
+          <p:nvPr/>
+        </p:nvGrpSpPr>
+        <p:grpSpPr>
+          <a:xfrm>
+            <a:off x="1510286" y="1638241"/>
+            <a:ext cx="1511518" cy="725192"/>
+            <a:chOff x="8210111" y="3466046"/>
+            <a:chExt cx="1511518" cy="725192"/>
+          </a:xfrm>
+        </p:grpSpPr>
+        <p:sp>
+          <p:nvSpPr>
+            <p:cNvPr id="24" name="Oval 23"/>
+            <p:cNvSpPr/>
+            <p:nvPr/>
+          </p:nvSpPr>
+          <p:spPr>
+            <a:xfrm>
+              <a:off x="8843532" y="3466046"/>
+              <a:ext cx="386052" cy="386052"/>
+            </a:xfrm>
+            <a:prstGeom prst="ellipse">
+              <a:avLst/>
+            </a:prstGeom>
+            <a:solidFill>
+              <a:srgbClr val="00B050"/>
+            </a:solidFill>
+          </p:spPr>
+          <p:style>
+            <a:lnRef idx="3">
+              <a:schemeClr val="lt1"/>
+            </a:lnRef>
+            <a:fillRef idx="1">
+              <a:schemeClr val="accent1"/>
+            </a:fillRef>
+            <a:effectRef idx="1">
+              <a:schemeClr val="accent1"/>
+            </a:effectRef>
+            <a:fontRef idx="minor">
+              <a:schemeClr val="lt1"/>
+            </a:fontRef>
+          </p:style>
+          <p:txBody>
+            <a:bodyPr rtlCol="0" anchor="ctr"/>
+            <a:lstStyle/>
+            <a:p>
+              <a:pPr algn="ctr"/>
+              <a:endParaRPr lang="en-US" dirty="0"/>
+            </a:p>
+          </p:txBody>
+        </p:sp>
+        <p:sp>
+          <p:nvSpPr>
+            <p:cNvPr id="25" name="TextBox 24"/>
+            <p:cNvSpPr txBox="1"/>
+            <p:nvPr/>
+          </p:nvSpPr>
+          <p:spPr>
+            <a:xfrm>
+              <a:off x="8210111" y="3821906"/>
+              <a:ext cx="1511518" cy="369332"/>
+            </a:xfrm>
+            <a:prstGeom prst="rect">
+              <a:avLst/>
+            </a:prstGeom>
+            <a:noFill/>
+          </p:spPr>
+          <p:txBody>
+            <a:bodyPr wrap="square" rtlCol="0">
+              <a:spAutoFit/>
+            </a:bodyPr>
+            <a:lstStyle/>
+            <a:p>
+              <a:r>
+                <a:rPr lang="en-US" dirty="0" smtClean="0"/>
+                <a:t>16 April 2003</a:t>
+              </a:r>
+              <a:endParaRPr lang="en-US" dirty="0"/>
+            </a:p>
+          </p:txBody>
+        </p:sp>
+      </p:grpSp>
+      <p:grpSp>
+        <p:nvGrpSpPr>
+          <p:cNvPr id="26" name="Group 25"/>
+          <p:cNvGrpSpPr/>
+          <p:nvPr/>
+        </p:nvGrpSpPr>
+        <p:grpSpPr>
+          <a:xfrm>
+            <a:off x="7901346" y="2126645"/>
+            <a:ext cx="820107" cy="779922"/>
+            <a:chOff x="5937868" y="4099494"/>
+            <a:chExt cx="820107" cy="779922"/>
+          </a:xfrm>
+        </p:grpSpPr>
+        <p:sp>
+          <p:nvSpPr>
+            <p:cNvPr id="27" name="Oval 26"/>
+            <p:cNvSpPr/>
+            <p:nvPr/>
+          </p:nvSpPr>
+          <p:spPr>
+            <a:xfrm>
+              <a:off x="6118590" y="4099494"/>
+              <a:ext cx="386052" cy="386052"/>
+            </a:xfrm>
+            <a:prstGeom prst="ellipse">
+              <a:avLst/>
+            </a:prstGeom>
+            <a:solidFill>
+              <a:srgbClr val="00B0F0"/>
+            </a:solidFill>
+          </p:spPr>
+          <p:style>
+            <a:lnRef idx="3">
+              <a:schemeClr val="lt1"/>
+            </a:lnRef>
+            <a:fillRef idx="1">
+              <a:schemeClr val="accent1"/>
+            </a:fillRef>
+            <a:effectRef idx="1">
+              <a:schemeClr val="accent1"/>
+            </a:effectRef>
+            <a:fontRef idx="minor">
+              <a:schemeClr val="lt1"/>
+            </a:fontRef>
+          </p:style>
+          <p:txBody>
+            <a:bodyPr rtlCol="0" anchor="ctr"/>
+            <a:lstStyle/>
+            <a:p>
+              <a:pPr algn="ctr"/>
+              <a:endParaRPr lang="en-US" dirty="0"/>
+            </a:p>
+          </p:txBody>
+        </p:sp>
+        <p:sp>
+          <p:nvSpPr>
+            <p:cNvPr id="28" name="TextBox 27"/>
+            <p:cNvSpPr txBox="1"/>
+            <p:nvPr/>
+          </p:nvSpPr>
+          <p:spPr>
+            <a:xfrm>
+              <a:off x="5937868" y="4510084"/>
+              <a:ext cx="820107" cy="369332"/>
+            </a:xfrm>
+            <a:prstGeom prst="rect">
+              <a:avLst/>
+            </a:prstGeom>
+            <a:noFill/>
+          </p:spPr>
+          <p:txBody>
+            <a:bodyPr wrap="square" rtlCol="0">
+              <a:spAutoFit/>
+            </a:bodyPr>
+            <a:lstStyle/>
+            <a:p>
+              <a:r>
+                <a:rPr lang="en-US" smtClean="0"/>
+                <a:t>$8500</a:t>
+              </a:r>
+              <a:endParaRPr lang="en-US" dirty="0"/>
+            </a:p>
+          </p:txBody>
+        </p:sp>
+      </p:grpSp>
+      <p:cxnSp>
+        <p:nvCxnSpPr>
+          <p:cNvPr id="29" name="Curved Connector 28"/>
+          <p:cNvCxnSpPr>
+            <a:stCxn id="15" idx="7"/>
+            <a:endCxn id="27" idx="5"/>
+          </p:cNvCxnSpPr>
+          <p:nvPr/>
+        </p:nvCxnSpPr>
+        <p:spPr>
+          <a:xfrm rot="5400000" flipH="1" flipV="1">
+            <a:off x="7172700" y="1849488"/>
+            <a:ext cx="632210" cy="1845557"/>
+          </a:xfrm>
+          <a:prstGeom prst="curvedConnector3">
+            <a:avLst>
+              <a:gd name="adj1" fmla="val 50000"/>
+            </a:avLst>
+          </a:prstGeom>
+          <a:ln>
+            <a:tailEnd type="triangle"/>
+          </a:ln>
+        </p:spPr>
+        <p:style>
+          <a:lnRef idx="1">
+            <a:schemeClr val="accent1"/>
+          </a:lnRef>
+          <a:fillRef idx="0">
+            <a:schemeClr val="accent1"/>
+          </a:fillRef>
+          <a:effectRef idx="0">
+            <a:schemeClr val="accent1"/>
+          </a:effectRef>
+          <a:fontRef idx="minor">
+            <a:schemeClr val="tx1"/>
+          </a:fontRef>
+        </p:style>
+      </p:cxnSp>
+      <p:cxnSp>
+        <p:nvCxnSpPr>
+          <p:cNvPr id="30" name="Curved Connector 29"/>
+          <p:cNvCxnSpPr>
+            <a:stCxn id="6" idx="6"/>
+            <a:endCxn id="9" idx="2"/>
+          </p:cNvCxnSpPr>
+          <p:nvPr/>
+        </p:nvCxnSpPr>
+        <p:spPr>
+          <a:xfrm>
+            <a:off x="5527174" y="618220"/>
+            <a:ext cx="4221046" cy="593071"/>
+          </a:xfrm>
+          <a:prstGeom prst="curvedConnector3">
+            <a:avLst/>
+          </a:prstGeom>
+          <a:ln>
+            <a:tailEnd type="triangle"/>
+          </a:ln>
+        </p:spPr>
+        <p:style>
+          <a:lnRef idx="1">
+            <a:schemeClr val="accent1"/>
+          </a:lnRef>
+          <a:fillRef idx="0">
+            <a:schemeClr val="accent1"/>
+          </a:fillRef>
+          <a:effectRef idx="0">
+            <a:schemeClr val="accent1"/>
+          </a:effectRef>
+          <a:fontRef idx="minor">
+            <a:schemeClr val="tx1"/>
+          </a:fontRef>
+        </p:style>
+      </p:cxnSp>
+      <p:cxnSp>
+        <p:nvCxnSpPr>
+          <p:cNvPr id="32" name="Curved Connector 31"/>
+          <p:cNvCxnSpPr>
+            <a:stCxn id="6" idx="4"/>
+            <a:endCxn id="27" idx="0"/>
+          </p:cNvCxnSpPr>
+          <p:nvPr/>
+        </p:nvCxnSpPr>
+        <p:spPr>
+          <a:xfrm rot="16200000" flipH="1">
+            <a:off x="6146922" y="-1528"/>
+            <a:ext cx="1315399" cy="2940946"/>
+          </a:xfrm>
+          <a:prstGeom prst="curvedConnector3">
+            <a:avLst>
+              <a:gd name="adj1" fmla="val 50000"/>
+            </a:avLst>
+          </a:prstGeom>
+          <a:ln>
+            <a:tailEnd type="triangle"/>
+          </a:ln>
+        </p:spPr>
+        <p:style>
+          <a:lnRef idx="1">
+            <a:schemeClr val="accent1"/>
+          </a:lnRef>
+          <a:fillRef idx="0">
+            <a:schemeClr val="accent1"/>
+          </a:fillRef>
+          <a:effectRef idx="0">
+            <a:schemeClr val="accent1"/>
+          </a:effectRef>
+          <a:fontRef idx="minor">
+            <a:schemeClr val="tx1"/>
+          </a:fontRef>
+        </p:style>
+      </p:cxnSp>
+      <p:sp>
+        <p:nvSpPr>
+          <p:cNvPr id="36" name="TextBox 35"/>
+          <p:cNvSpPr txBox="1"/>
+          <p:nvPr/>
+        </p:nvSpPr>
+        <p:spPr>
+          <a:xfrm>
+            <a:off x="6236511" y="592983"/>
+            <a:ext cx="1580221" cy="369332"/>
+          </a:xfrm>
+          <a:prstGeom prst="rect">
+            <a:avLst/>
+          </a:prstGeom>
+          <a:solidFill>
+            <a:schemeClr val="accent1">
+              <a:alpha val="37000"/>
+            </a:schemeClr>
+          </a:solidFill>
+        </p:spPr>
+        <p:txBody>
+          <a:bodyPr wrap="square" rtlCol="0">
+            <a:spAutoFit/>
+          </a:bodyPr>
+          <a:lstStyle/>
+          <a:p>
+            <a:r>
+              <a:rPr lang="en-US" altLang="zh-CN" b="1" smtClean="0">
+                <a:solidFill>
+                  <a:schemeClr val="bg1"/>
+                </a:solidFill>
+              </a:rPr>
+              <a:t>comes</a:t>
+            </a:r>
+            <a:r>
+              <a:rPr lang="en-US" b="1" smtClean="0">
+                <a:solidFill>
+                  <a:schemeClr val="bg1"/>
+                </a:solidFill>
+              </a:rPr>
+              <a:t>from</a:t>
+            </a:r>
+            <a:endParaRPr lang="en-US" b="1" dirty="0">
+              <a:solidFill>
+                <a:schemeClr val="bg1"/>
+              </a:solidFill>
+            </a:endParaRPr>
+          </a:p>
+        </p:txBody>
+      </p:sp>
+      <p:sp>
+        <p:nvSpPr>
+          <p:cNvPr id="37" name="TextBox 36"/>
+          <p:cNvSpPr txBox="1"/>
+          <p:nvPr/>
+        </p:nvSpPr>
+        <p:spPr>
+          <a:xfrm>
+            <a:off x="6107569" y="1243514"/>
+            <a:ext cx="1029988" cy="369332"/>
+          </a:xfrm>
+          <a:prstGeom prst="rect">
+            <a:avLst/>
+          </a:prstGeom>
+          <a:solidFill>
+            <a:schemeClr val="accent1">
+              <a:alpha val="37000"/>
+            </a:schemeClr>
+          </a:solidFill>
+        </p:spPr>
+        <p:txBody>
+          <a:bodyPr wrap="square" rtlCol="0">
+            <a:spAutoFit/>
+          </a:bodyPr>
+          <a:lstStyle/>
+          <a:p>
+            <a:r>
+              <a:rPr lang="en-US" b="1" smtClean="0">
+                <a:solidFill>
+                  <a:schemeClr val="bg1"/>
+                </a:solidFill>
+              </a:rPr>
+              <a:t>Deposits</a:t>
+            </a:r>
+            <a:endParaRPr lang="en-US" b="1" dirty="0">
+              <a:solidFill>
+                <a:schemeClr val="bg1"/>
+              </a:solidFill>
+            </a:endParaRPr>
+          </a:p>
+        </p:txBody>
+      </p:sp>
+      <p:sp>
+        <p:nvSpPr>
+          <p:cNvPr id="38" name="TextBox 37"/>
+          <p:cNvSpPr txBox="1"/>
+          <p:nvPr/>
+        </p:nvSpPr>
+        <p:spPr>
+          <a:xfrm>
+            <a:off x="6953009" y="2621708"/>
+            <a:ext cx="863723" cy="369332"/>
+          </a:xfrm>
+          <a:prstGeom prst="rect">
+            <a:avLst/>
+          </a:prstGeom>
+          <a:solidFill>
+            <a:schemeClr val="accent1">
+              <a:alpha val="37000"/>
+            </a:schemeClr>
+          </a:solidFill>
+        </p:spPr>
+        <p:txBody>
+          <a:bodyPr wrap="square" rtlCol="0">
+            <a:spAutoFit/>
+          </a:bodyPr>
+          <a:lstStyle/>
+          <a:p>
+            <a:r>
+              <a:rPr lang="en-US" altLang="zh-CN" b="1" dirty="0" smtClean="0">
+                <a:solidFill>
+                  <a:schemeClr val="bg1"/>
+                </a:solidFill>
+              </a:rPr>
+              <a:t>draw</a:t>
+            </a:r>
+            <a:endParaRPr lang="en-US" b="1" dirty="0">
+              <a:solidFill>
+                <a:schemeClr val="bg1"/>
+              </a:solidFill>
+            </a:endParaRPr>
+          </a:p>
+        </p:txBody>
+      </p:sp>
+      <p:grpSp>
+        <p:nvGrpSpPr>
+          <p:cNvPr id="53" name="Group 52"/>
+          <p:cNvGrpSpPr/>
+          <p:nvPr/>
+        </p:nvGrpSpPr>
+        <p:grpSpPr>
+          <a:xfrm>
+            <a:off x="6566027" y="3361351"/>
+            <a:ext cx="3755096" cy="2095178"/>
+            <a:chOff x="6566027" y="3361351"/>
+            <a:chExt cx="3755096" cy="2095178"/>
+          </a:xfrm>
+        </p:grpSpPr>
+        <p:cxnSp>
+          <p:nvCxnSpPr>
+            <p:cNvPr id="35" name="Curved Connector 34"/>
+            <p:cNvCxnSpPr>
+              <a:stCxn id="15" idx="5"/>
+              <a:endCxn id="3" idx="2"/>
+            </p:cNvCxnSpPr>
+            <p:nvPr/>
+          </p:nvCxnSpPr>
+          <p:spPr>
+            <a:xfrm rot="16200000" flipH="1">
+              <a:off x="7395986" y="2531392"/>
+              <a:ext cx="2095178" cy="3755096"/>
+            </a:xfrm>
+            <a:prstGeom prst="curvedConnector2">
+              <a:avLst/>
+            </a:prstGeom>
+            <a:ln>
+              <a:tailEnd type="triangle"/>
+            </a:ln>
+          </p:spPr>
+          <p:style>
+            <a:lnRef idx="1">
+              <a:schemeClr val="accent1"/>
+            </a:lnRef>
+            <a:fillRef idx="0">
+              <a:schemeClr val="accent1"/>
+            </a:fillRef>
+            <a:effectRef idx="0">
+              <a:schemeClr val="accent1"/>
+            </a:effectRef>
+            <a:fontRef idx="minor">
+              <a:schemeClr val="tx1"/>
+            </a:fontRef>
+          </p:style>
+        </p:cxnSp>
+        <p:sp>
+          <p:nvSpPr>
+            <p:cNvPr id="39" name="TextBox 38"/>
+            <p:cNvSpPr txBox="1"/>
+            <p:nvPr/>
+          </p:nvSpPr>
+          <p:spPr>
+            <a:xfrm>
+              <a:off x="6815308" y="4491971"/>
+              <a:ext cx="1673431" cy="372750"/>
+            </a:xfrm>
+            <a:prstGeom prst="rect">
+              <a:avLst/>
+            </a:prstGeom>
+            <a:solidFill>
+              <a:schemeClr val="accent1">
+                <a:alpha val="37000"/>
+              </a:schemeClr>
+            </a:solidFill>
+          </p:spPr>
+          <p:txBody>
+            <a:bodyPr wrap="square" rtlCol="0">
+              <a:spAutoFit/>
+            </a:bodyPr>
+            <a:lstStyle/>
+            <a:p>
+              <a:r>
+                <a:rPr lang="en-US" altLang="zh-CN" b="1" dirty="0" smtClean="0">
+                  <a:solidFill>
+                    <a:schemeClr val="bg1"/>
+                  </a:solidFill>
+                </a:rPr>
+                <a:t>Account</a:t>
+              </a:r>
+              <a:r>
+                <a:rPr lang="zh-CN" altLang="en-US" b="1" dirty="0" smtClean="0">
+                  <a:solidFill>
+                    <a:schemeClr val="bg1"/>
+                  </a:solidFill>
+                </a:rPr>
+                <a:t> </a:t>
+              </a:r>
+              <a:r>
+                <a:rPr lang="en-US" altLang="zh-CN" b="1" dirty="0" smtClean="0">
+                  <a:solidFill>
+                    <a:schemeClr val="bg1"/>
+                  </a:solidFill>
+                </a:rPr>
+                <a:t>name</a:t>
+              </a:r>
+              <a:endParaRPr lang="en-US" b="1" dirty="0">
+                <a:solidFill>
+                  <a:schemeClr val="bg1"/>
+                </a:solidFill>
+              </a:endParaRPr>
+            </a:p>
+          </p:txBody>
+        </p:sp>
+      </p:grpSp>
+      <p:grpSp>
+        <p:nvGrpSpPr>
+          <p:cNvPr id="52" name="Group 51"/>
+          <p:cNvGrpSpPr/>
+          <p:nvPr/>
+        </p:nvGrpSpPr>
+        <p:grpSpPr>
+          <a:xfrm>
+            <a:off x="2340540" y="3361352"/>
+            <a:ext cx="3952507" cy="1115974"/>
+            <a:chOff x="2340540" y="3361352"/>
+            <a:chExt cx="3952507" cy="1115974"/>
+          </a:xfrm>
+        </p:grpSpPr>
+        <p:cxnSp>
+          <p:nvCxnSpPr>
+            <p:cNvPr id="31" name="Curved Connector 30"/>
+            <p:cNvCxnSpPr>
+              <a:stCxn id="15" idx="3"/>
+              <a:endCxn id="12" idx="7"/>
+            </p:cNvCxnSpPr>
+            <p:nvPr/>
+          </p:nvCxnSpPr>
+          <p:spPr>
+            <a:xfrm rot="5400000">
+              <a:off x="3758807" y="1943085"/>
+              <a:ext cx="1115974" cy="3952507"/>
+            </a:xfrm>
+            <a:prstGeom prst="curvedConnector3">
+              <a:avLst>
+                <a:gd name="adj1" fmla="val 50000"/>
+              </a:avLst>
+            </a:prstGeom>
+            <a:ln>
+              <a:tailEnd type="triangle"/>
+            </a:ln>
+          </p:spPr>
+          <p:style>
+            <a:lnRef idx="1">
+              <a:schemeClr val="accent1"/>
+            </a:lnRef>
+            <a:fillRef idx="0">
+              <a:schemeClr val="accent1"/>
+            </a:fillRef>
+            <a:effectRef idx="0">
+              <a:schemeClr val="accent1"/>
+            </a:effectRef>
+            <a:fontRef idx="minor">
+              <a:schemeClr val="tx1"/>
+            </a:fontRef>
+          </p:style>
+        </p:cxnSp>
+        <p:sp>
+          <p:nvSpPr>
+            <p:cNvPr id="40" name="TextBox 39"/>
+            <p:cNvSpPr txBox="1"/>
+            <p:nvPr/>
+          </p:nvSpPr>
+          <p:spPr>
+            <a:xfrm>
+              <a:off x="3676166" y="3638160"/>
+              <a:ext cx="1539322" cy="369332"/>
+            </a:xfrm>
+            <a:prstGeom prst="rect">
+              <a:avLst/>
+            </a:prstGeom>
+            <a:solidFill>
+              <a:schemeClr val="accent1">
+                <a:alpha val="37000"/>
+              </a:schemeClr>
+            </a:solidFill>
+          </p:spPr>
+          <p:txBody>
+            <a:bodyPr wrap="square" rtlCol="0">
+              <a:spAutoFit/>
+            </a:bodyPr>
+            <a:lstStyle/>
+            <a:p>
+              <a:r>
+                <a:rPr lang="en-US" altLang="zh-CN" b="1" dirty="0" smtClean="0">
+                  <a:solidFill>
+                    <a:schemeClr val="bg1"/>
+                  </a:solidFill>
+                </a:rPr>
+                <a:t>Account</a:t>
+              </a:r>
+              <a:r>
+                <a:rPr lang="zh-CN" altLang="en-US" b="1" dirty="0" smtClean="0">
+                  <a:solidFill>
+                    <a:schemeClr val="bg1"/>
+                  </a:solidFill>
+                </a:rPr>
+                <a:t> </a:t>
+              </a:r>
+              <a:r>
+                <a:rPr lang="en-US" altLang="zh-CN" b="1" dirty="0" smtClean="0">
+                  <a:solidFill>
+                    <a:schemeClr val="bg1"/>
+                  </a:solidFill>
+                </a:rPr>
+                <a:t>bank</a:t>
+              </a:r>
+              <a:endParaRPr lang="en-US" b="1" dirty="0">
+                <a:solidFill>
+                  <a:schemeClr val="bg1"/>
+                </a:solidFill>
+              </a:endParaRPr>
+            </a:p>
+          </p:txBody>
+        </p:sp>
+      </p:grpSp>
+      <p:cxnSp>
+        <p:nvCxnSpPr>
+          <p:cNvPr id="33" name="Curved Connector 32"/>
+          <p:cNvCxnSpPr>
+            <a:stCxn id="27" idx="2"/>
+            <a:endCxn id="24" idx="5"/>
+          </p:cNvCxnSpPr>
+          <p:nvPr/>
+        </p:nvCxnSpPr>
+        <p:spPr>
+          <a:xfrm rot="10800000">
+            <a:off x="2473224" y="1967757"/>
+            <a:ext cx="5608845" cy="351914"/>
+          </a:xfrm>
+          <a:prstGeom prst="curvedConnector2">
+            <a:avLst/>
+          </a:prstGeom>
+          <a:ln>
+            <a:tailEnd type="triangle"/>
+          </a:ln>
+        </p:spPr>
+        <p:style>
+          <a:lnRef idx="1">
+            <a:schemeClr val="accent1"/>
+          </a:lnRef>
+          <a:fillRef idx="0">
+            <a:schemeClr val="accent1"/>
+          </a:fillRef>
+          <a:effectRef idx="0">
+            <a:schemeClr val="accent1"/>
+          </a:effectRef>
+          <a:fontRef idx="minor">
+            <a:schemeClr val="tx1"/>
+          </a:fontRef>
+        </p:style>
+      </p:cxnSp>
+      <p:sp>
+        <p:nvSpPr>
+          <p:cNvPr id="41" name="TextBox 40"/>
+          <p:cNvSpPr txBox="1"/>
+          <p:nvPr/>
+        </p:nvSpPr>
+        <p:spPr>
+          <a:xfrm>
+            <a:off x="3995114" y="2112979"/>
+            <a:ext cx="1329165" cy="371451"/>
+          </a:xfrm>
+          <a:prstGeom prst="rect">
+            <a:avLst/>
+          </a:prstGeom>
+          <a:solidFill>
+            <a:schemeClr val="accent1">
+              <a:alpha val="37000"/>
+            </a:schemeClr>
+          </a:solidFill>
+        </p:spPr>
+        <p:txBody>
+          <a:bodyPr wrap="square" rtlCol="0">
+            <a:spAutoFit/>
+          </a:bodyPr>
+          <a:lstStyle/>
+          <a:p>
+            <a:r>
+              <a:rPr lang="en-US" b="1" dirty="0" smtClean="0">
+                <a:solidFill>
+                  <a:schemeClr val="bg1"/>
+                </a:solidFill>
+              </a:rPr>
+              <a:t>Happens at</a:t>
+            </a:r>
+            <a:endParaRPr lang="en-US" b="1" dirty="0">
+              <a:solidFill>
+                <a:schemeClr val="bg1"/>
+              </a:solidFill>
+            </a:endParaRPr>
+          </a:p>
+        </p:txBody>
+      </p:sp>
+      <p:grpSp>
+        <p:nvGrpSpPr>
+          <p:cNvPr id="46" name="Group 45"/>
+          <p:cNvGrpSpPr/>
+          <p:nvPr/>
+        </p:nvGrpSpPr>
+        <p:grpSpPr>
+          <a:xfrm>
+            <a:off x="2397076" y="4613815"/>
+            <a:ext cx="4950215" cy="1002079"/>
+            <a:chOff x="5583917" y="2190212"/>
+            <a:chExt cx="4950215" cy="1002079"/>
+          </a:xfrm>
+        </p:grpSpPr>
+        <p:cxnSp>
+          <p:nvCxnSpPr>
+            <p:cNvPr id="34" name="Curved Connector 33"/>
+            <p:cNvCxnSpPr>
+              <a:stCxn id="12" idx="6"/>
+              <a:endCxn id="18" idx="3"/>
+            </p:cNvCxnSpPr>
+            <p:nvPr/>
+          </p:nvCxnSpPr>
+          <p:spPr>
+            <a:xfrm>
+              <a:off x="5583917" y="2190212"/>
+              <a:ext cx="4950215" cy="1002079"/>
+            </a:xfrm>
+            <a:prstGeom prst="curvedConnector4">
+              <a:avLst>
+                <a:gd name="adj1" fmla="val 49429"/>
+                <a:gd name="adj2" fmla="val 122813"/>
+              </a:avLst>
+            </a:prstGeom>
+            <a:ln>
+              <a:tailEnd type="triangle"/>
+            </a:ln>
+          </p:spPr>
+          <p:style>
+            <a:lnRef idx="1">
+              <a:schemeClr val="accent1"/>
+            </a:lnRef>
+            <a:fillRef idx="0">
+              <a:schemeClr val="accent1"/>
+            </a:fillRef>
+            <a:effectRef idx="0">
+              <a:schemeClr val="accent1"/>
+            </a:effectRef>
+            <a:fontRef idx="minor">
+              <a:schemeClr val="tx1"/>
+            </a:fontRef>
+          </p:style>
+        </p:cxnSp>
+        <p:sp>
+          <p:nvSpPr>
+            <p:cNvPr id="42" name="TextBox 41"/>
+            <p:cNvSpPr txBox="1"/>
+            <p:nvPr/>
+          </p:nvSpPr>
+          <p:spPr>
+            <a:xfrm>
+              <a:off x="7157962" y="2493443"/>
+              <a:ext cx="1153613" cy="369332"/>
+            </a:xfrm>
+            <a:prstGeom prst="rect">
+              <a:avLst/>
+            </a:prstGeom>
+            <a:solidFill>
+              <a:schemeClr val="accent1">
+                <a:alpha val="37000"/>
+              </a:schemeClr>
+            </a:solidFill>
+          </p:spPr>
+          <p:txBody>
+            <a:bodyPr wrap="square" rtlCol="0">
+              <a:spAutoFit/>
+            </a:bodyPr>
+            <a:lstStyle/>
+            <a:p>
+              <a:r>
+                <a:rPr lang="en-US" b="1" dirty="0" smtClean="0">
+                  <a:solidFill>
+                    <a:schemeClr val="bg1"/>
+                  </a:solidFill>
+                </a:rPr>
+                <a:t>Locates at</a:t>
+              </a:r>
+              <a:endParaRPr lang="en-US" b="1" dirty="0">
+                <a:solidFill>
+                  <a:schemeClr val="bg1"/>
+                </a:solidFill>
+              </a:endParaRPr>
+            </a:p>
+          </p:txBody>
+        </p:sp>
+      </p:grpSp>
     </p:spTree>
     <p:extLst>
       <p:ext uri="{BB962C8B-B14F-4D97-AF65-F5344CB8AC3E}">
